--- a/Python(3) Intro.pptx
+++ b/Python(3) Intro.pptx
@@ -120,6 +120,11 @@
       </a:defRPr>
     </a:lvl9pPr>
   </p:defaultTextStyle>
+  <p:extLst>
+    <p:ext uri="{EFAFB233-063F-42B5-8137-9DF3F51BA10A}">
+      <p15:sldGuideLst xmlns:p15="http://schemas.microsoft.com/office/powerpoint/2012/main"/>
+    </p:ext>
+  </p:extLst>
 </p:presentation>
 </file>
 
@@ -4341,7 +4346,7 @@
             <p:ph idx="1"/>
             <p:extLst>
               <p:ext uri="{D42A27DB-BD31-4B8C-83A1-F6EECF244321}">
-                <p14:modId xmlns:p14="http://schemas.microsoft.com/office/powerpoint/2010/main" val="2099544792"/>
+                <p14:modId xmlns:p14="http://schemas.microsoft.com/office/powerpoint/2010/main" val="919357264"/>
               </p:ext>
             </p:extLst>
           </p:nvPr>

--- a/Python(3) Intro.pptx
+++ b/Python(3) Intro.pptx
@@ -22,6 +22,10 @@
     <p:sldId id="270" r:id="rId16"/>
     <p:sldId id="271" r:id="rId17"/>
     <p:sldId id="272" r:id="rId18"/>
+    <p:sldId id="273" r:id="rId19"/>
+    <p:sldId id="274" r:id="rId20"/>
+    <p:sldId id="275" r:id="rId21"/>
+    <p:sldId id="276" r:id="rId22"/>
   </p:sldIdLst>
   <p:sldSz cx="12192000" cy="6858000"/>
   <p:notesSz cx="6858000" cy="9144000"/>
@@ -277,7 +281,7 @@
           <a:p>
             <a:fld id="{13AD58A5-F829-4EF6-95BE-CC6F8645041A}" type="datetimeFigureOut">
               <a:rPr lang="en-GB" smtClean="0"/>
-              <a:t>03/12/2021</a:t>
+              <a:t>06/12/2021</a:t>
             </a:fld>
             <a:endParaRPr lang="en-GB"/>
           </a:p>
@@ -477,7 +481,7 @@
           <a:p>
             <a:fld id="{13AD58A5-F829-4EF6-95BE-CC6F8645041A}" type="datetimeFigureOut">
               <a:rPr lang="en-GB" smtClean="0"/>
-              <a:t>03/12/2021</a:t>
+              <a:t>06/12/2021</a:t>
             </a:fld>
             <a:endParaRPr lang="en-GB"/>
           </a:p>
@@ -687,7 +691,7 @@
           <a:p>
             <a:fld id="{13AD58A5-F829-4EF6-95BE-CC6F8645041A}" type="datetimeFigureOut">
               <a:rPr lang="en-GB" smtClean="0"/>
-              <a:t>03/12/2021</a:t>
+              <a:t>06/12/2021</a:t>
             </a:fld>
             <a:endParaRPr lang="en-GB"/>
           </a:p>
@@ -887,7 +891,7 @@
           <a:p>
             <a:fld id="{13AD58A5-F829-4EF6-95BE-CC6F8645041A}" type="datetimeFigureOut">
               <a:rPr lang="en-GB" smtClean="0"/>
-              <a:t>03/12/2021</a:t>
+              <a:t>06/12/2021</a:t>
             </a:fld>
             <a:endParaRPr lang="en-GB"/>
           </a:p>
@@ -1163,7 +1167,7 @@
           <a:p>
             <a:fld id="{13AD58A5-F829-4EF6-95BE-CC6F8645041A}" type="datetimeFigureOut">
               <a:rPr lang="en-GB" smtClean="0"/>
-              <a:t>03/12/2021</a:t>
+              <a:t>06/12/2021</a:t>
             </a:fld>
             <a:endParaRPr lang="en-GB"/>
           </a:p>
@@ -1431,7 +1435,7 @@
           <a:p>
             <a:fld id="{13AD58A5-F829-4EF6-95BE-CC6F8645041A}" type="datetimeFigureOut">
               <a:rPr lang="en-GB" smtClean="0"/>
-              <a:t>03/12/2021</a:t>
+              <a:t>06/12/2021</a:t>
             </a:fld>
             <a:endParaRPr lang="en-GB"/>
           </a:p>
@@ -1846,7 +1850,7 @@
           <a:p>
             <a:fld id="{13AD58A5-F829-4EF6-95BE-CC6F8645041A}" type="datetimeFigureOut">
               <a:rPr lang="en-GB" smtClean="0"/>
-              <a:t>03/12/2021</a:t>
+              <a:t>06/12/2021</a:t>
             </a:fld>
             <a:endParaRPr lang="en-GB"/>
           </a:p>
@@ -1988,7 +1992,7 @@
           <a:p>
             <a:fld id="{13AD58A5-F829-4EF6-95BE-CC6F8645041A}" type="datetimeFigureOut">
               <a:rPr lang="en-GB" smtClean="0"/>
-              <a:t>03/12/2021</a:t>
+              <a:t>06/12/2021</a:t>
             </a:fld>
             <a:endParaRPr lang="en-GB"/>
           </a:p>
@@ -2101,7 +2105,7 @@
           <a:p>
             <a:fld id="{13AD58A5-F829-4EF6-95BE-CC6F8645041A}" type="datetimeFigureOut">
               <a:rPr lang="en-GB" smtClean="0"/>
-              <a:t>03/12/2021</a:t>
+              <a:t>06/12/2021</a:t>
             </a:fld>
             <a:endParaRPr lang="en-GB"/>
           </a:p>
@@ -2414,7 +2418,7 @@
           <a:p>
             <a:fld id="{13AD58A5-F829-4EF6-95BE-CC6F8645041A}" type="datetimeFigureOut">
               <a:rPr lang="en-GB" smtClean="0"/>
-              <a:t>03/12/2021</a:t>
+              <a:t>06/12/2021</a:t>
             </a:fld>
             <a:endParaRPr lang="en-GB"/>
           </a:p>
@@ -2703,7 +2707,7 @@
           <a:p>
             <a:fld id="{13AD58A5-F829-4EF6-95BE-CC6F8645041A}" type="datetimeFigureOut">
               <a:rPr lang="en-GB" smtClean="0"/>
-              <a:t>03/12/2021</a:t>
+              <a:t>06/12/2021</a:t>
             </a:fld>
             <a:endParaRPr lang="en-GB"/>
           </a:p>
@@ -2946,7 +2950,7 @@
           <a:p>
             <a:fld id="{13AD58A5-F829-4EF6-95BE-CC6F8645041A}" type="datetimeFigureOut">
               <a:rPr lang="en-GB" smtClean="0"/>
-              <a:t>03/12/2021</a:t>
+              <a:t>06/12/2021</a:t>
             </a:fld>
             <a:endParaRPr lang="en-GB"/>
           </a:p>
@@ -4346,7 +4350,7 @@
             <p:ph idx="1"/>
             <p:extLst>
               <p:ext uri="{D42A27DB-BD31-4B8C-83A1-F6EECF244321}">
-                <p14:modId xmlns:p14="http://schemas.microsoft.com/office/powerpoint/2010/main" val="919357264"/>
+                <p14:modId xmlns:p14="http://schemas.microsoft.com/office/powerpoint/2010/main" val="2099544792"/>
               </p:ext>
             </p:extLst>
           </p:nvPr>
@@ -5147,6 +5151,324 @@
 </p:sld>
 </file>
 
+<file path=ppt/slides/slide18.xml><?xml version="1.0" encoding="utf-8"?>
+<p:sld xmlns:a="http://schemas.openxmlformats.org/drawingml/2006/main" xmlns:r="http://schemas.openxmlformats.org/officeDocument/2006/relationships" xmlns:p="http://schemas.openxmlformats.org/presentationml/2006/main">
+  <p:cSld>
+    <p:spTree>
+      <p:nvGrpSpPr>
+        <p:cNvPr id="1" name=""/>
+        <p:cNvGrpSpPr/>
+        <p:nvPr/>
+      </p:nvGrpSpPr>
+      <p:grpSpPr>
+        <a:xfrm>
+          <a:off x="0" y="0"/>
+          <a:ext cx="0" cy="0"/>
+          <a:chOff x="0" y="0"/>
+          <a:chExt cx="0" cy="0"/>
+        </a:xfrm>
+      </p:grpSpPr>
+      <p:sp>
+        <p:nvSpPr>
+          <p:cNvPr id="2" name="Title 1">
+            <a:extLst>
+              <a:ext uri="{FF2B5EF4-FFF2-40B4-BE49-F238E27FC236}">
+                <a16:creationId xmlns:a16="http://schemas.microsoft.com/office/drawing/2014/main" id="{2B24633B-5278-45FD-97D4-B661DF7359F0}"/>
+              </a:ext>
+            </a:extLst>
+          </p:cNvPr>
+          <p:cNvSpPr>
+            <a:spLocks noGrp="1"/>
+          </p:cNvSpPr>
+          <p:nvPr>
+            <p:ph type="title"/>
+          </p:nvPr>
+        </p:nvSpPr>
+        <p:spPr/>
+        <p:txBody>
+          <a:bodyPr/>
+          <a:lstStyle/>
+          <a:p>
+            <a:r>
+              <a:rPr lang="en-GB" dirty="0"/>
+              <a:t>Functions continued</a:t>
+            </a:r>
+          </a:p>
+        </p:txBody>
+      </p:sp>
+      <p:sp>
+        <p:nvSpPr>
+          <p:cNvPr id="3" name="Content Placeholder 2">
+            <a:extLst>
+              <a:ext uri="{FF2B5EF4-FFF2-40B4-BE49-F238E27FC236}">
+                <a16:creationId xmlns:a16="http://schemas.microsoft.com/office/drawing/2014/main" id="{220BA47D-87BD-473A-87EF-B0ABA8733854}"/>
+              </a:ext>
+            </a:extLst>
+          </p:cNvPr>
+          <p:cNvSpPr>
+            <a:spLocks noGrp="1"/>
+          </p:cNvSpPr>
+          <p:nvPr>
+            <p:ph idx="1"/>
+          </p:nvPr>
+        </p:nvSpPr>
+        <p:spPr/>
+        <p:txBody>
+          <a:bodyPr>
+            <a:normAutofit/>
+          </a:bodyPr>
+          <a:lstStyle/>
+          <a:p>
+            <a:pPr marL="0" indent="0">
+              <a:buNone/>
+            </a:pPr>
+            <a:r>
+              <a:rPr lang="en-GB" sz="1200" dirty="0"/>
+              <a:t>By default, a function must be called with the correct number of arguments. </a:t>
+            </a:r>
+          </a:p>
+          <a:p>
+            <a:pPr marL="0" indent="0">
+              <a:buNone/>
+            </a:pPr>
+            <a:r>
+              <a:rPr lang="en-GB" sz="1200" dirty="0"/>
+              <a:t>Meaning that if your function expects 2 arguments, you have to call the function with 2 arguments, not more, and not less</a:t>
+            </a:r>
+          </a:p>
+          <a:p>
+            <a:pPr marL="0" indent="0">
+              <a:buNone/>
+            </a:pPr>
+            <a:endParaRPr lang="en-GB" sz="1200" dirty="0"/>
+          </a:p>
+          <a:p>
+            <a:pPr marL="0" indent="0">
+              <a:buNone/>
+            </a:pPr>
+            <a:endParaRPr lang="en-GB" sz="1200" dirty="0"/>
+          </a:p>
+        </p:txBody>
+      </p:sp>
+      <p:pic>
+        <p:nvPicPr>
+          <p:cNvPr id="5" name="Picture 4">
+            <a:extLst>
+              <a:ext uri="{FF2B5EF4-FFF2-40B4-BE49-F238E27FC236}">
+                <a16:creationId xmlns:a16="http://schemas.microsoft.com/office/drawing/2014/main" id="{CEF3C512-3DE0-4963-BE9F-0FA9A811ECA0}"/>
+              </a:ext>
+            </a:extLst>
+          </p:cNvPr>
+          <p:cNvPicPr>
+            <a:picLocks noChangeAspect="1"/>
+          </p:cNvPicPr>
+          <p:nvPr/>
+        </p:nvPicPr>
+        <p:blipFill>
+          <a:blip r:embed="rId2"/>
+          <a:stretch>
+            <a:fillRect/>
+          </a:stretch>
+        </p:blipFill>
+        <p:spPr>
+          <a:xfrm>
+            <a:off x="980813" y="2690359"/>
+            <a:ext cx="4353533" cy="2114845"/>
+          </a:xfrm>
+          <a:prstGeom prst="rect">
+            <a:avLst/>
+          </a:prstGeom>
+        </p:spPr>
+      </p:pic>
+    </p:spTree>
+    <p:extLst>
+      <p:ext uri="{BB962C8B-B14F-4D97-AF65-F5344CB8AC3E}">
+        <p14:creationId xmlns:p14="http://schemas.microsoft.com/office/powerpoint/2010/main" val="557122100"/>
+      </p:ext>
+    </p:extLst>
+  </p:cSld>
+  <p:clrMapOvr>
+    <a:masterClrMapping/>
+  </p:clrMapOvr>
+</p:sld>
+</file>
+
+<file path=ppt/slides/slide19.xml><?xml version="1.0" encoding="utf-8"?>
+<p:sld xmlns:a="http://schemas.openxmlformats.org/drawingml/2006/main" xmlns:r="http://schemas.openxmlformats.org/officeDocument/2006/relationships" xmlns:p="http://schemas.openxmlformats.org/presentationml/2006/main">
+  <p:cSld>
+    <p:spTree>
+      <p:nvGrpSpPr>
+        <p:cNvPr id="1" name=""/>
+        <p:cNvGrpSpPr/>
+        <p:nvPr/>
+      </p:nvGrpSpPr>
+      <p:grpSpPr>
+        <a:xfrm>
+          <a:off x="0" y="0"/>
+          <a:ext cx="0" cy="0"/>
+          <a:chOff x="0" y="0"/>
+          <a:chExt cx="0" cy="0"/>
+        </a:xfrm>
+      </p:grpSpPr>
+      <p:sp>
+        <p:nvSpPr>
+          <p:cNvPr id="2" name="Title 1">
+            <a:extLst>
+              <a:ext uri="{FF2B5EF4-FFF2-40B4-BE49-F238E27FC236}">
+                <a16:creationId xmlns:a16="http://schemas.microsoft.com/office/drawing/2014/main" id="{2B24633B-5278-45FD-97D4-B661DF7359F0}"/>
+              </a:ext>
+            </a:extLst>
+          </p:cNvPr>
+          <p:cNvSpPr>
+            <a:spLocks noGrp="1"/>
+          </p:cNvSpPr>
+          <p:nvPr>
+            <p:ph type="title"/>
+          </p:nvPr>
+        </p:nvSpPr>
+        <p:spPr/>
+        <p:txBody>
+          <a:bodyPr/>
+          <a:lstStyle/>
+          <a:p>
+            <a:r>
+              <a:rPr lang="en-GB" dirty="0"/>
+              <a:t>Functions continued</a:t>
+            </a:r>
+          </a:p>
+        </p:txBody>
+      </p:sp>
+      <p:sp>
+        <p:nvSpPr>
+          <p:cNvPr id="3" name="Content Placeholder 2">
+            <a:extLst>
+              <a:ext uri="{FF2B5EF4-FFF2-40B4-BE49-F238E27FC236}">
+                <a16:creationId xmlns:a16="http://schemas.microsoft.com/office/drawing/2014/main" id="{220BA47D-87BD-473A-87EF-B0ABA8733854}"/>
+              </a:ext>
+            </a:extLst>
+          </p:cNvPr>
+          <p:cNvSpPr>
+            <a:spLocks noGrp="1"/>
+          </p:cNvSpPr>
+          <p:nvPr>
+            <p:ph idx="1"/>
+          </p:nvPr>
+        </p:nvSpPr>
+        <p:spPr>
+          <a:xfrm>
+            <a:off x="854279" y="2141537"/>
+            <a:ext cx="10515600" cy="4351338"/>
+          </a:xfrm>
+        </p:spPr>
+        <p:txBody>
+          <a:bodyPr>
+            <a:normAutofit/>
+          </a:bodyPr>
+          <a:lstStyle/>
+          <a:p>
+            <a:pPr marL="0" indent="0">
+              <a:buNone/>
+            </a:pPr>
+            <a:r>
+              <a:rPr lang="en-GB" sz="1200" dirty="0"/>
+              <a:t>If the number of arguments that will be passed into a function is unknown, add a * before the parameter name in the function definition.</a:t>
+            </a:r>
+          </a:p>
+          <a:p>
+            <a:pPr marL="0" indent="0">
+              <a:buNone/>
+            </a:pPr>
+            <a:r>
+              <a:rPr lang="en-GB" sz="1200" dirty="0"/>
+              <a:t>This way the function will receive a tuple of arguments, and can access the items accordingly:</a:t>
+            </a:r>
+          </a:p>
+          <a:p>
+            <a:pPr marL="0" indent="0">
+              <a:buNone/>
+            </a:pPr>
+            <a:endParaRPr lang="en-GB" sz="1200" dirty="0"/>
+          </a:p>
+        </p:txBody>
+      </p:sp>
+      <p:sp>
+        <p:nvSpPr>
+          <p:cNvPr id="8" name="TextBox 7">
+            <a:extLst>
+              <a:ext uri="{FF2B5EF4-FFF2-40B4-BE49-F238E27FC236}">
+                <a16:creationId xmlns:a16="http://schemas.microsoft.com/office/drawing/2014/main" id="{886B3A57-A8EA-4686-87D7-69BF09619BAA}"/>
+              </a:ext>
+            </a:extLst>
+          </p:cNvPr>
+          <p:cNvSpPr txBox="1"/>
+          <p:nvPr/>
+        </p:nvSpPr>
+        <p:spPr>
+          <a:xfrm>
+            <a:off x="838200" y="1506022"/>
+            <a:ext cx="6094602" cy="369332"/>
+          </a:xfrm>
+          <a:prstGeom prst="rect">
+            <a:avLst/>
+          </a:prstGeom>
+          <a:noFill/>
+        </p:spPr>
+        <p:txBody>
+          <a:bodyPr wrap="square">
+            <a:spAutoFit/>
+          </a:bodyPr>
+          <a:lstStyle/>
+          <a:p>
+            <a:r>
+              <a:rPr lang="en-GB" dirty="0"/>
+              <a:t>Arbitrary Arguments, *args</a:t>
+            </a:r>
+          </a:p>
+        </p:txBody>
+      </p:sp>
+      <p:pic>
+        <p:nvPicPr>
+          <p:cNvPr id="9" name="Picture 8">
+            <a:extLst>
+              <a:ext uri="{FF2B5EF4-FFF2-40B4-BE49-F238E27FC236}">
+                <a16:creationId xmlns:a16="http://schemas.microsoft.com/office/drawing/2014/main" id="{97FF6E7A-4894-4A57-AED7-DBBFC620C040}"/>
+              </a:ext>
+            </a:extLst>
+          </p:cNvPr>
+          <p:cNvPicPr>
+            <a:picLocks noChangeAspect="1"/>
+          </p:cNvPicPr>
+          <p:nvPr/>
+        </p:nvPicPr>
+        <p:blipFill>
+          <a:blip r:embed="rId2"/>
+          <a:stretch>
+            <a:fillRect/>
+          </a:stretch>
+        </p:blipFill>
+        <p:spPr>
+          <a:xfrm>
+            <a:off x="854279" y="3340757"/>
+            <a:ext cx="5782482" cy="1952898"/>
+          </a:xfrm>
+          <a:prstGeom prst="rect">
+            <a:avLst/>
+          </a:prstGeom>
+        </p:spPr>
+      </p:pic>
+    </p:spTree>
+    <p:extLst>
+      <p:ext uri="{BB962C8B-B14F-4D97-AF65-F5344CB8AC3E}">
+        <p14:creationId xmlns:p14="http://schemas.microsoft.com/office/powerpoint/2010/main" val="447640624"/>
+      </p:ext>
+    </p:extLst>
+  </p:cSld>
+  <p:clrMapOvr>
+    <a:masterClrMapping/>
+  </p:clrMapOvr>
+</p:sld>
+</file>
+
 <file path=ppt/slides/slide2.xml><?xml version="1.0" encoding="utf-8"?>
 <p:sld xmlns:a="http://schemas.openxmlformats.org/drawingml/2006/main" xmlns:r="http://schemas.openxmlformats.org/officeDocument/2006/relationships" xmlns:p="http://schemas.openxmlformats.org/presentationml/2006/main">
   <p:cSld>
@@ -5286,6 +5608,396 @@
     <p:extLst>
       <p:ext uri="{BB962C8B-B14F-4D97-AF65-F5344CB8AC3E}">
         <p14:creationId xmlns:p14="http://schemas.microsoft.com/office/powerpoint/2010/main" val="887461859"/>
+      </p:ext>
+    </p:extLst>
+  </p:cSld>
+  <p:clrMapOvr>
+    <a:masterClrMapping/>
+  </p:clrMapOvr>
+</p:sld>
+</file>
+
+<file path=ppt/slides/slide20.xml><?xml version="1.0" encoding="utf-8"?>
+<p:sld xmlns:a="http://schemas.openxmlformats.org/drawingml/2006/main" xmlns:r="http://schemas.openxmlformats.org/officeDocument/2006/relationships" xmlns:p="http://schemas.openxmlformats.org/presentationml/2006/main">
+  <p:cSld>
+    <p:spTree>
+      <p:nvGrpSpPr>
+        <p:cNvPr id="1" name=""/>
+        <p:cNvGrpSpPr/>
+        <p:nvPr/>
+      </p:nvGrpSpPr>
+      <p:grpSpPr>
+        <a:xfrm>
+          <a:off x="0" y="0"/>
+          <a:ext cx="0" cy="0"/>
+          <a:chOff x="0" y="0"/>
+          <a:chExt cx="0" cy="0"/>
+        </a:xfrm>
+      </p:grpSpPr>
+      <p:sp>
+        <p:nvSpPr>
+          <p:cNvPr id="2" name="Title 1">
+            <a:extLst>
+              <a:ext uri="{FF2B5EF4-FFF2-40B4-BE49-F238E27FC236}">
+                <a16:creationId xmlns:a16="http://schemas.microsoft.com/office/drawing/2014/main" id="{2B24633B-5278-45FD-97D4-B661DF7359F0}"/>
+              </a:ext>
+            </a:extLst>
+          </p:cNvPr>
+          <p:cNvSpPr>
+            <a:spLocks noGrp="1"/>
+          </p:cNvSpPr>
+          <p:nvPr>
+            <p:ph type="title"/>
+          </p:nvPr>
+        </p:nvSpPr>
+        <p:spPr/>
+        <p:txBody>
+          <a:bodyPr/>
+          <a:lstStyle/>
+          <a:p>
+            <a:r>
+              <a:rPr lang="en-GB" dirty="0"/>
+              <a:t>Functions continued</a:t>
+            </a:r>
+          </a:p>
+        </p:txBody>
+      </p:sp>
+      <p:sp>
+        <p:nvSpPr>
+          <p:cNvPr id="3" name="Content Placeholder 2">
+            <a:extLst>
+              <a:ext uri="{FF2B5EF4-FFF2-40B4-BE49-F238E27FC236}">
+                <a16:creationId xmlns:a16="http://schemas.microsoft.com/office/drawing/2014/main" id="{220BA47D-87BD-473A-87EF-B0ABA8733854}"/>
+              </a:ext>
+            </a:extLst>
+          </p:cNvPr>
+          <p:cNvSpPr>
+            <a:spLocks noGrp="1"/>
+          </p:cNvSpPr>
+          <p:nvPr>
+            <p:ph idx="1"/>
+          </p:nvPr>
+        </p:nvSpPr>
+        <p:spPr>
+          <a:xfrm>
+            <a:off x="854279" y="1933677"/>
+            <a:ext cx="10515600" cy="3152118"/>
+          </a:xfrm>
+        </p:spPr>
+        <p:txBody>
+          <a:bodyPr>
+            <a:normAutofit/>
+          </a:bodyPr>
+          <a:lstStyle/>
+          <a:p>
+            <a:pPr marL="0" indent="0">
+              <a:buNone/>
+            </a:pPr>
+            <a:r>
+              <a:rPr lang="en-GB" sz="1200" dirty="0"/>
+              <a:t>You can also send arguments with the key = value syntax. This way the order of the arguments does not matter</a:t>
+            </a:r>
+          </a:p>
+        </p:txBody>
+      </p:sp>
+      <p:sp>
+        <p:nvSpPr>
+          <p:cNvPr id="7" name="TextBox 6">
+            <a:extLst>
+              <a:ext uri="{FF2B5EF4-FFF2-40B4-BE49-F238E27FC236}">
+                <a16:creationId xmlns:a16="http://schemas.microsoft.com/office/drawing/2014/main" id="{AC1C0F70-5DC5-48F2-9495-4A97A0DD754D}"/>
+              </a:ext>
+            </a:extLst>
+          </p:cNvPr>
+          <p:cNvSpPr txBox="1"/>
+          <p:nvPr/>
+        </p:nvSpPr>
+        <p:spPr>
+          <a:xfrm>
+            <a:off x="838200" y="1564345"/>
+            <a:ext cx="6094602" cy="369332"/>
+          </a:xfrm>
+          <a:prstGeom prst="rect">
+            <a:avLst/>
+          </a:prstGeom>
+          <a:noFill/>
+        </p:spPr>
+        <p:txBody>
+          <a:bodyPr wrap="square">
+            <a:spAutoFit/>
+          </a:bodyPr>
+          <a:lstStyle/>
+          <a:p>
+            <a:pPr algn="l"/>
+            <a:r>
+              <a:rPr lang="en-GB" b="0" i="0" dirty="0">
+                <a:solidFill>
+                  <a:srgbClr val="000000"/>
+                </a:solidFill>
+                <a:effectLst/>
+                <a:latin typeface="Segoe UI" panose="020B0502040204020203" pitchFamily="34" charset="0"/>
+              </a:rPr>
+              <a:t>Keyword Arguments</a:t>
+            </a:r>
+          </a:p>
+        </p:txBody>
+      </p:sp>
+      <p:pic>
+        <p:nvPicPr>
+          <p:cNvPr id="6" name="Picture 5">
+            <a:extLst>
+              <a:ext uri="{FF2B5EF4-FFF2-40B4-BE49-F238E27FC236}">
+                <a16:creationId xmlns:a16="http://schemas.microsoft.com/office/drawing/2014/main" id="{B45677A5-2C99-4406-BD33-B6E05A1A3753}"/>
+              </a:ext>
+            </a:extLst>
+          </p:cNvPr>
+          <p:cNvPicPr>
+            <a:picLocks noChangeAspect="1"/>
+          </p:cNvPicPr>
+          <p:nvPr/>
+        </p:nvPicPr>
+        <p:blipFill>
+          <a:blip r:embed="rId2"/>
+          <a:stretch>
+            <a:fillRect/>
+          </a:stretch>
+        </p:blipFill>
+        <p:spPr>
+          <a:xfrm>
+            <a:off x="921391" y="2331963"/>
+            <a:ext cx="5325218" cy="1609950"/>
+          </a:xfrm>
+          <a:prstGeom prst="rect">
+            <a:avLst/>
+          </a:prstGeom>
+        </p:spPr>
+      </p:pic>
+      <p:sp>
+        <p:nvSpPr>
+          <p:cNvPr id="11" name="TextBox 10">
+            <a:extLst>
+              <a:ext uri="{FF2B5EF4-FFF2-40B4-BE49-F238E27FC236}">
+                <a16:creationId xmlns:a16="http://schemas.microsoft.com/office/drawing/2014/main" id="{3C1767C6-5DAB-451B-9829-E072472F4F60}"/>
+              </a:ext>
+            </a:extLst>
+          </p:cNvPr>
+          <p:cNvSpPr txBox="1"/>
+          <p:nvPr/>
+        </p:nvSpPr>
+        <p:spPr>
+          <a:xfrm>
+            <a:off x="921391" y="4568362"/>
+            <a:ext cx="6094602" cy="369332"/>
+          </a:xfrm>
+          <a:prstGeom prst="rect">
+            <a:avLst/>
+          </a:prstGeom>
+          <a:noFill/>
+        </p:spPr>
+        <p:txBody>
+          <a:bodyPr wrap="square">
+            <a:spAutoFit/>
+          </a:bodyPr>
+          <a:lstStyle/>
+          <a:p>
+            <a:pPr algn="l"/>
+            <a:r>
+              <a:rPr lang="en-GB" b="0" i="0" dirty="0">
+                <a:solidFill>
+                  <a:srgbClr val="000000"/>
+                </a:solidFill>
+                <a:effectLst/>
+                <a:latin typeface="Segoe UI" panose="020B0502040204020203" pitchFamily="34" charset="0"/>
+              </a:rPr>
+              <a:t>Arbitrary Keyword Arguments, **</a:t>
+            </a:r>
+            <a:r>
+              <a:rPr lang="en-GB" b="0" i="0" dirty="0" err="1">
+                <a:solidFill>
+                  <a:srgbClr val="000000"/>
+                </a:solidFill>
+                <a:effectLst/>
+                <a:latin typeface="Segoe UI" panose="020B0502040204020203" pitchFamily="34" charset="0"/>
+              </a:rPr>
+              <a:t>kwargs</a:t>
+            </a:r>
+            <a:endParaRPr lang="en-GB" b="0" i="0" dirty="0">
+              <a:solidFill>
+                <a:srgbClr val="000000"/>
+              </a:solidFill>
+              <a:effectLst/>
+              <a:latin typeface="Segoe UI" panose="020B0502040204020203" pitchFamily="34" charset="0"/>
+            </a:endParaRPr>
+          </a:p>
+        </p:txBody>
+      </p:sp>
+      <p:sp>
+        <p:nvSpPr>
+          <p:cNvPr id="13" name="TextBox 12">
+            <a:extLst>
+              <a:ext uri="{FF2B5EF4-FFF2-40B4-BE49-F238E27FC236}">
+                <a16:creationId xmlns:a16="http://schemas.microsoft.com/office/drawing/2014/main" id="{C8A6F909-1C3C-4B28-85F0-277896192914}"/>
+              </a:ext>
+            </a:extLst>
+          </p:cNvPr>
+          <p:cNvSpPr txBox="1"/>
+          <p:nvPr/>
+        </p:nvSpPr>
+        <p:spPr>
+          <a:xfrm>
+            <a:off x="921391" y="4947295"/>
+            <a:ext cx="6094602" cy="276999"/>
+          </a:xfrm>
+          <a:prstGeom prst="rect">
+            <a:avLst/>
+          </a:prstGeom>
+          <a:noFill/>
+        </p:spPr>
+        <p:txBody>
+          <a:bodyPr wrap="square">
+            <a:spAutoFit/>
+          </a:bodyPr>
+          <a:lstStyle/>
+          <a:p>
+            <a:r>
+              <a:rPr lang="en-GB" sz="1200" dirty="0"/>
+              <a:t>If the number of keyword arguments is unknown, add a double ** before the parameter name:</a:t>
+            </a:r>
+          </a:p>
+        </p:txBody>
+      </p:sp>
+      <p:pic>
+        <p:nvPicPr>
+          <p:cNvPr id="15" name="Picture 14">
+            <a:extLst>
+              <a:ext uri="{FF2B5EF4-FFF2-40B4-BE49-F238E27FC236}">
+                <a16:creationId xmlns:a16="http://schemas.microsoft.com/office/drawing/2014/main" id="{C8F54CCF-6279-4E99-BC02-D355DD8789D3}"/>
+              </a:ext>
+            </a:extLst>
+          </p:cNvPr>
+          <p:cNvPicPr>
+            <a:picLocks noChangeAspect="1"/>
+          </p:cNvPicPr>
+          <p:nvPr/>
+        </p:nvPicPr>
+        <p:blipFill>
+          <a:blip r:embed="rId3"/>
+          <a:stretch>
+            <a:fillRect/>
+          </a:stretch>
+        </p:blipFill>
+        <p:spPr>
+          <a:xfrm>
+            <a:off x="838200" y="5328784"/>
+            <a:ext cx="4210638" cy="1171739"/>
+          </a:xfrm>
+          <a:prstGeom prst="rect">
+            <a:avLst/>
+          </a:prstGeom>
+        </p:spPr>
+      </p:pic>
+    </p:spTree>
+    <p:extLst>
+      <p:ext uri="{BB962C8B-B14F-4D97-AF65-F5344CB8AC3E}">
+        <p14:creationId xmlns:p14="http://schemas.microsoft.com/office/powerpoint/2010/main" val="2998736091"/>
+      </p:ext>
+    </p:extLst>
+  </p:cSld>
+  <p:clrMapOvr>
+    <a:masterClrMapping/>
+  </p:clrMapOvr>
+</p:sld>
+</file>
+
+<file path=ppt/slides/slide21.xml><?xml version="1.0" encoding="utf-8"?>
+<p:sld xmlns:a="http://schemas.openxmlformats.org/drawingml/2006/main" xmlns:r="http://schemas.openxmlformats.org/officeDocument/2006/relationships" xmlns:p="http://schemas.openxmlformats.org/presentationml/2006/main">
+  <p:cSld>
+    <p:spTree>
+      <p:nvGrpSpPr>
+        <p:cNvPr id="1" name=""/>
+        <p:cNvGrpSpPr/>
+        <p:nvPr/>
+      </p:nvGrpSpPr>
+      <p:grpSpPr>
+        <a:xfrm>
+          <a:off x="0" y="0"/>
+          <a:ext cx="0" cy="0"/>
+          <a:chOff x="0" y="0"/>
+          <a:chExt cx="0" cy="0"/>
+        </a:xfrm>
+      </p:grpSpPr>
+      <p:sp>
+        <p:nvSpPr>
+          <p:cNvPr id="2" name="Title 1">
+            <a:extLst>
+              <a:ext uri="{FF2B5EF4-FFF2-40B4-BE49-F238E27FC236}">
+                <a16:creationId xmlns:a16="http://schemas.microsoft.com/office/drawing/2014/main" id="{726A1920-60D8-4476-AAE0-65742C9FA486}"/>
+              </a:ext>
+            </a:extLst>
+          </p:cNvPr>
+          <p:cNvSpPr>
+            <a:spLocks noGrp="1"/>
+          </p:cNvSpPr>
+          <p:nvPr>
+            <p:ph type="title"/>
+          </p:nvPr>
+        </p:nvSpPr>
+        <p:spPr/>
+        <p:txBody>
+          <a:bodyPr/>
+          <a:lstStyle/>
+          <a:p>
+            <a:r>
+              <a:rPr lang="en-GB" dirty="0"/>
+              <a:t>Code Management Basics</a:t>
+            </a:r>
+          </a:p>
+        </p:txBody>
+      </p:sp>
+      <p:sp>
+        <p:nvSpPr>
+          <p:cNvPr id="3" name="Content Placeholder 2">
+            <a:extLst>
+              <a:ext uri="{FF2B5EF4-FFF2-40B4-BE49-F238E27FC236}">
+                <a16:creationId xmlns:a16="http://schemas.microsoft.com/office/drawing/2014/main" id="{A783F684-1B4E-45D0-AC35-E97F6C77812E}"/>
+              </a:ext>
+            </a:extLst>
+          </p:cNvPr>
+          <p:cNvSpPr>
+            <a:spLocks noGrp="1"/>
+          </p:cNvSpPr>
+          <p:nvPr>
+            <p:ph idx="1"/>
+          </p:nvPr>
+        </p:nvSpPr>
+        <p:spPr/>
+        <p:txBody>
+          <a:bodyPr/>
+          <a:lstStyle/>
+          <a:p>
+            <a:r>
+              <a:rPr lang="en-GB" dirty="0"/>
+              <a:t>Basic GIT commands</a:t>
+            </a:r>
+          </a:p>
+          <a:p>
+            <a:r>
+              <a:rPr lang="en-GB" dirty="0"/>
+              <a:t>Source code repo</a:t>
+            </a:r>
+          </a:p>
+          <a:p>
+            <a:r>
+              <a:rPr lang="en-GB" dirty="0"/>
+              <a:t>IDE workflow</a:t>
+            </a:r>
+          </a:p>
+        </p:txBody>
+      </p:sp>
+    </p:spTree>
+    <p:extLst>
+      <p:ext uri="{BB962C8B-B14F-4D97-AF65-F5344CB8AC3E}">
+        <p14:creationId xmlns:p14="http://schemas.microsoft.com/office/powerpoint/2010/main" val="3509014834"/>
       </p:ext>
     </p:extLst>
   </p:cSld>

--- a/Python(3) Intro.pptx
+++ b/Python(3) Intro.pptx
@@ -5977,7 +5977,59 @@
           <a:p>
             <a:r>
               <a:rPr lang="en-GB" dirty="0"/>
-              <a:t>Basic GIT commands</a:t>
+              <a:t>Basic GIT </a:t>
+            </a:r>
+            <a:r>
+              <a:rPr lang="en-GB"/>
+              <a:t>workflow and commands</a:t>
+            </a:r>
+            <a:endParaRPr lang="en-GB" dirty="0"/>
+          </a:p>
+          <a:p>
+            <a:pPr lvl="1"/>
+            <a:r>
+              <a:rPr lang="en-GB" dirty="0"/>
+              <a:t>git checkout repo</a:t>
+            </a:r>
+          </a:p>
+          <a:p>
+            <a:pPr lvl="1"/>
+            <a:r>
+              <a:rPr lang="en-GB" dirty="0"/>
+              <a:t>git checkout -b </a:t>
+            </a:r>
+            <a:r>
+              <a:rPr lang="en-GB" dirty="0" err="1"/>
+              <a:t>branchname</a:t>
+            </a:r>
+            <a:endParaRPr lang="en-GB" dirty="0"/>
+          </a:p>
+          <a:p>
+            <a:pPr lvl="1"/>
+            <a:r>
+              <a:rPr lang="en-GB" dirty="0"/>
+              <a:t>Add/Edit/Delete files</a:t>
+            </a:r>
+          </a:p>
+          <a:p>
+            <a:pPr lvl="1"/>
+            <a:r>
+              <a:rPr lang="en-GB" dirty="0"/>
+              <a:t>git add –A .</a:t>
+            </a:r>
+          </a:p>
+          <a:p>
+            <a:pPr lvl="1"/>
+            <a:r>
+              <a:rPr lang="en-GB" dirty="0"/>
+              <a:t>git commit -m “change comment”</a:t>
+            </a:r>
+          </a:p>
+          <a:p>
+            <a:pPr lvl="1"/>
+            <a:r>
+              <a:rPr lang="en-GB" dirty="0"/>
+              <a:t>git push</a:t>
             </a:r>
           </a:p>
           <a:p>
